--- a/presentations/SeminariumZespołowe.pptx
+++ b/presentations/SeminariumZespołowe.pptx
@@ -249,7 +249,7 @@
           <a:p>
             <a:fld id="{8DEF9E4C-1D9A-41F9-9EBA-CE71FBB0D148}" type="datetimeFigureOut">
               <a:rPr lang="pl-PL" smtClean="0"/>
-              <a:t>04.11.2019</a:t>
+              <a:t>15.12.2019</a:t>
             </a:fld>
             <a:endParaRPr lang="pl-PL"/>
           </a:p>
@@ -419,7 +419,7 @@
           <a:p>
             <a:fld id="{8DEF9E4C-1D9A-41F9-9EBA-CE71FBB0D148}" type="datetimeFigureOut">
               <a:rPr lang="pl-PL" smtClean="0"/>
-              <a:t>04.11.2019</a:t>
+              <a:t>15.12.2019</a:t>
             </a:fld>
             <a:endParaRPr lang="pl-PL"/>
           </a:p>
@@ -599,7 +599,7 @@
           <a:p>
             <a:fld id="{8DEF9E4C-1D9A-41F9-9EBA-CE71FBB0D148}" type="datetimeFigureOut">
               <a:rPr lang="pl-PL" smtClean="0"/>
-              <a:t>04.11.2019</a:t>
+              <a:t>15.12.2019</a:t>
             </a:fld>
             <a:endParaRPr lang="pl-PL"/>
           </a:p>
@@ -769,7 +769,7 @@
           <a:p>
             <a:fld id="{8DEF9E4C-1D9A-41F9-9EBA-CE71FBB0D148}" type="datetimeFigureOut">
               <a:rPr lang="pl-PL" smtClean="0"/>
-              <a:t>04.11.2019</a:t>
+              <a:t>15.12.2019</a:t>
             </a:fld>
             <a:endParaRPr lang="pl-PL"/>
           </a:p>
@@ -1013,7 +1013,7 @@
           <a:p>
             <a:fld id="{8DEF9E4C-1D9A-41F9-9EBA-CE71FBB0D148}" type="datetimeFigureOut">
               <a:rPr lang="pl-PL" smtClean="0"/>
-              <a:t>04.11.2019</a:t>
+              <a:t>15.12.2019</a:t>
             </a:fld>
             <a:endParaRPr lang="pl-PL"/>
           </a:p>
@@ -1245,7 +1245,7 @@
           <a:p>
             <a:fld id="{8DEF9E4C-1D9A-41F9-9EBA-CE71FBB0D148}" type="datetimeFigureOut">
               <a:rPr lang="pl-PL" smtClean="0"/>
-              <a:t>04.11.2019</a:t>
+              <a:t>15.12.2019</a:t>
             </a:fld>
             <a:endParaRPr lang="pl-PL"/>
           </a:p>
@@ -1612,7 +1612,7 @@
           <a:p>
             <a:fld id="{8DEF9E4C-1D9A-41F9-9EBA-CE71FBB0D148}" type="datetimeFigureOut">
               <a:rPr lang="pl-PL" smtClean="0"/>
-              <a:t>04.11.2019</a:t>
+              <a:t>15.12.2019</a:t>
             </a:fld>
             <a:endParaRPr lang="pl-PL"/>
           </a:p>
@@ -1730,7 +1730,7 @@
           <a:p>
             <a:fld id="{8DEF9E4C-1D9A-41F9-9EBA-CE71FBB0D148}" type="datetimeFigureOut">
               <a:rPr lang="pl-PL" smtClean="0"/>
-              <a:t>04.11.2019</a:t>
+              <a:t>15.12.2019</a:t>
             </a:fld>
             <a:endParaRPr lang="pl-PL"/>
           </a:p>
@@ -1825,7 +1825,7 @@
           <a:p>
             <a:fld id="{8DEF9E4C-1D9A-41F9-9EBA-CE71FBB0D148}" type="datetimeFigureOut">
               <a:rPr lang="pl-PL" smtClean="0"/>
-              <a:t>04.11.2019</a:t>
+              <a:t>15.12.2019</a:t>
             </a:fld>
             <a:endParaRPr lang="pl-PL"/>
           </a:p>
@@ -2102,7 +2102,7 @@
           <a:p>
             <a:fld id="{8DEF9E4C-1D9A-41F9-9EBA-CE71FBB0D148}" type="datetimeFigureOut">
               <a:rPr lang="pl-PL" smtClean="0"/>
-              <a:t>04.11.2019</a:t>
+              <a:t>15.12.2019</a:t>
             </a:fld>
             <a:endParaRPr lang="pl-PL"/>
           </a:p>
@@ -2359,7 +2359,7 @@
           <a:p>
             <a:fld id="{8DEF9E4C-1D9A-41F9-9EBA-CE71FBB0D148}" type="datetimeFigureOut">
               <a:rPr lang="pl-PL" smtClean="0"/>
-              <a:t>04.11.2019</a:t>
+              <a:t>15.12.2019</a:t>
             </a:fld>
             <a:endParaRPr lang="pl-PL"/>
           </a:p>
@@ -2572,7 +2572,7 @@
           <a:p>
             <a:fld id="{8DEF9E4C-1D9A-41F9-9EBA-CE71FBB0D148}" type="datetimeFigureOut">
               <a:rPr lang="pl-PL" smtClean="0"/>
-              <a:t>04.11.2019</a:t>
+              <a:t>15.12.2019</a:t>
             </a:fld>
             <a:endParaRPr lang="pl-PL"/>
           </a:p>
